--- a/Presentation/Тестовое задание 2.pptx
+++ b/Presentation/Тестовое задание 2.pptx
@@ -14,13 +14,14 @@
     <p:sldId id="264" r:id="rId8"/>
     <p:sldId id="265" r:id="rId9"/>
     <p:sldId id="270" r:id="rId10"/>
-    <p:sldId id="259" r:id="rId11"/>
-    <p:sldId id="271" r:id="rId12"/>
-    <p:sldId id="267" r:id="rId13"/>
-    <p:sldId id="272" r:id="rId14"/>
-    <p:sldId id="268" r:id="rId15"/>
-    <p:sldId id="273" r:id="rId16"/>
-    <p:sldId id="258" r:id="rId17"/>
+    <p:sldId id="274" r:id="rId11"/>
+    <p:sldId id="259" r:id="rId12"/>
+    <p:sldId id="271" r:id="rId13"/>
+    <p:sldId id="267" r:id="rId14"/>
+    <p:sldId id="272" r:id="rId15"/>
+    <p:sldId id="268" r:id="rId16"/>
+    <p:sldId id="273" r:id="rId17"/>
+    <p:sldId id="258" r:id="rId18"/>
   </p:sldIdLst>
   <p:sldSz cx="12192000" cy="6858000"/>
   <p:notesSz cx="6858000" cy="9144000"/>
@@ -136,6 +137,7 @@
     <p1510:client id="{4A66EAA4-EB81-4309-A025-DC543AA76EDB}" v="515" dt="2023-09-03T14:39:46.914"/>
     <p1510:client id="{5413DF38-EB32-45B8-A2ED-FC4F3F379ACF}" v="223" dt="2023-09-05T18:24:03.251"/>
     <p1510:client id="{562B7C61-4DF9-416C-AB13-80792C2731C1}" v="227" dt="2023-08-31T18:08:49.600"/>
+    <p1510:client id="{6AA72C12-E336-4648-8D56-A31C96E52F0A}" v="56" dt="2023-09-06T08:01:03.902"/>
     <p1510:client id="{73FB4A89-063F-4F8D-BCB1-ECD4EDEED391}" v="58" dt="2023-08-29T18:34:55.171"/>
     <p1510:client id="{86B1765B-B2A9-46F8-A3CB-582A847EDDB4}" v="36" dt="2023-09-03T16:07:59.660"/>
     <p1510:client id="{8C55CC72-D5F4-4512-AF24-FEB58714A3AC}" v="373" dt="2023-09-03T15:41:41.680"/>
@@ -5362,7 +5364,7 @@
           <a:p>
             <a:fld id="{76969C88-B244-455D-A017-012B25B1ACDD}" type="datetimeFigureOut">
               <a:rPr lang="en-US" smtClean="0"/>
-              <a:t>9/5/2023</a:t>
+              <a:t>9/6/2023</a:t>
             </a:fld>
             <a:endParaRPr lang="en-US"/>
           </a:p>
@@ -5563,7 +5565,7 @@
           <a:p>
             <a:fld id="{76969C88-B244-455D-A017-012B25B1ACDD}" type="datetimeFigureOut">
               <a:rPr lang="en-US" smtClean="0"/>
-              <a:t>9/5/2023</a:t>
+              <a:t>9/6/2023</a:t>
             </a:fld>
             <a:endParaRPr lang="en-US"/>
           </a:p>
@@ -5774,7 +5776,7 @@
           <a:p>
             <a:fld id="{76969C88-B244-455D-A017-012B25B1ACDD}" type="datetimeFigureOut">
               <a:rPr lang="en-US" smtClean="0"/>
-              <a:t>9/5/2023</a:t>
+              <a:t>9/6/2023</a:t>
             </a:fld>
             <a:endParaRPr lang="en-US"/>
           </a:p>
@@ -5976,7 +5978,7 @@
           <a:p>
             <a:fld id="{76969C88-B244-455D-A017-012B25B1ACDD}" type="datetimeFigureOut">
               <a:rPr lang="en-US" smtClean="0"/>
-              <a:t>9/5/2023</a:t>
+              <a:t>9/6/2023</a:t>
             </a:fld>
             <a:endParaRPr lang="en-US"/>
           </a:p>
@@ -6254,7 +6256,7 @@
           <a:p>
             <a:fld id="{76969C88-B244-455D-A017-012B25B1ACDD}" type="datetimeFigureOut">
               <a:rPr lang="en-US" smtClean="0"/>
-              <a:t>9/5/2023</a:t>
+              <a:t>9/6/2023</a:t>
             </a:fld>
             <a:endParaRPr lang="en-US"/>
           </a:p>
@@ -6522,7 +6524,7 @@
           <a:p>
             <a:fld id="{76969C88-B244-455D-A017-012B25B1ACDD}" type="datetimeFigureOut">
               <a:rPr lang="en-US" smtClean="0"/>
-              <a:t>9/5/2023</a:t>
+              <a:t>9/6/2023</a:t>
             </a:fld>
             <a:endParaRPr lang="en-US"/>
           </a:p>
@@ -6937,7 +6939,7 @@
           <a:p>
             <a:fld id="{76969C88-B244-455D-A017-012B25B1ACDD}" type="datetimeFigureOut">
               <a:rPr lang="en-US" smtClean="0"/>
-              <a:t>9/5/2023</a:t>
+              <a:t>9/6/2023</a:t>
             </a:fld>
             <a:endParaRPr lang="en-US"/>
           </a:p>
@@ -7081,7 +7083,7 @@
           <a:p>
             <a:fld id="{76969C88-B244-455D-A017-012B25B1ACDD}" type="datetimeFigureOut">
               <a:rPr lang="en-US" smtClean="0"/>
-              <a:t>9/5/2023</a:t>
+              <a:t>9/6/2023</a:t>
             </a:fld>
             <a:endParaRPr lang="en-US"/>
           </a:p>
@@ -7197,7 +7199,7 @@
           <a:p>
             <a:fld id="{76969C88-B244-455D-A017-012B25B1ACDD}" type="datetimeFigureOut">
               <a:rPr lang="en-US" smtClean="0"/>
-              <a:t>9/5/2023</a:t>
+              <a:t>9/6/2023</a:t>
             </a:fld>
             <a:endParaRPr lang="en-US"/>
           </a:p>
@@ -7512,7 +7514,7 @@
           <a:p>
             <a:fld id="{76969C88-B244-455D-A017-012B25B1ACDD}" type="datetimeFigureOut">
               <a:rPr lang="en-US" smtClean="0"/>
-              <a:t>9/5/2023</a:t>
+              <a:t>9/6/2023</a:t>
             </a:fld>
             <a:endParaRPr lang="en-US"/>
           </a:p>
@@ -7806,7 +7808,7 @@
           <a:p>
             <a:fld id="{76969C88-B244-455D-A017-012B25B1ACDD}" type="datetimeFigureOut">
               <a:rPr lang="en-US" smtClean="0"/>
-              <a:t>9/5/2023</a:t>
+              <a:t>9/6/2023</a:t>
             </a:fld>
             <a:endParaRPr lang="en-US"/>
           </a:p>
@@ -8565,7 +8567,7 @@
             <a:fld id="{76969C88-B244-455D-A017-012B25B1ACDD}" type="datetimeFigureOut">
               <a:rPr lang="en-US" smtClean="0"/>
               <a:pPr/>
-              <a:t>9/5/2023</a:t>
+              <a:t>9/6/2023</a:t>
             </a:fld>
             <a:endParaRPr lang="en-US"/>
           </a:p>
@@ -9564,6 +9566,198 @@
           <p:cNvPr id="2" name="Заголовок 1">
             <a:extLst>
               <a:ext uri="{FF2B5EF4-FFF2-40B4-BE49-F238E27FC236}">
+                <a16:creationId xmlns:a16="http://schemas.microsoft.com/office/drawing/2014/main" id="{72F45BF9-EFC5-9AA8-6621-7E9AFD0B1580}"/>
+              </a:ext>
+            </a:extLst>
+          </p:cNvPr>
+          <p:cNvSpPr>
+            <a:spLocks noGrp="1"/>
+          </p:cNvSpPr>
+          <p:nvPr>
+            <p:ph type="title"/>
+          </p:nvPr>
+        </p:nvSpPr>
+        <p:spPr>
+          <a:xfrm>
+            <a:off x="701040" y="0"/>
+            <a:ext cx="10668000" cy="1524000"/>
+          </a:xfrm>
+        </p:spPr>
+        <p:txBody>
+          <a:bodyPr/>
+          <a:lstStyle/>
+          <a:p>
+            <a:r>
+              <a:rPr lang="ru-RU" b="1" dirty="0">
+                <a:solidFill>
+                  <a:schemeClr val="accent1">
+                    <a:lumMod val="40000"/>
+                    <a:lumOff val="60000"/>
+                  </a:schemeClr>
+                </a:solidFill>
+              </a:rPr>
+              <a:t>Проверка свойств</a:t>
+            </a:r>
+          </a:p>
+        </p:txBody>
+      </p:sp>
+      <p:pic>
+        <p:nvPicPr>
+          <p:cNvPr id="4" name="Объект 3" descr="Изображение выглядит как текст, Шрифт, белый, снимок экрана&#10;&#10;Автоматически созданное описание">
+            <a:extLst>
+              <a:ext uri="{FF2B5EF4-FFF2-40B4-BE49-F238E27FC236}">
+                <a16:creationId xmlns:a16="http://schemas.microsoft.com/office/drawing/2014/main" id="{E529F956-FA87-2BD1-99AB-95A959F8D15F}"/>
+              </a:ext>
+            </a:extLst>
+          </p:cNvPr>
+          <p:cNvPicPr>
+            <a:picLocks noGrp="1" noChangeAspect="1"/>
+          </p:cNvPicPr>
+          <p:nvPr>
+            <p:ph idx="1"/>
+          </p:nvPr>
+        </p:nvPicPr>
+        <p:blipFill>
+          <a:blip r:embed="rId2"/>
+          <a:stretch>
+            <a:fillRect/>
+          </a:stretch>
+        </p:blipFill>
+        <p:spPr>
+          <a:xfrm>
+            <a:off x="698550" y="4561587"/>
+            <a:ext cx="5399405" cy="1906905"/>
+          </a:xfrm>
+        </p:spPr>
+      </p:pic>
+      <p:pic>
+        <p:nvPicPr>
+          <p:cNvPr id="5" name="Рисунок 4" descr="Изображение выглядит как текст, Шрифт, белый, снимок экрана&#10;&#10;Автоматически созданное описание">
+            <a:extLst>
+              <a:ext uri="{FF2B5EF4-FFF2-40B4-BE49-F238E27FC236}">
+                <a16:creationId xmlns:a16="http://schemas.microsoft.com/office/drawing/2014/main" id="{796493A9-740E-C695-8037-EF755302E4FF}"/>
+              </a:ext>
+            </a:extLst>
+          </p:cNvPr>
+          <p:cNvPicPr>
+            <a:picLocks noChangeAspect="1"/>
+          </p:cNvPicPr>
+          <p:nvPr/>
+        </p:nvPicPr>
+        <p:blipFill>
+          <a:blip r:embed="rId3"/>
+          <a:stretch>
+            <a:fillRect/>
+          </a:stretch>
+        </p:blipFill>
+        <p:spPr>
+          <a:xfrm>
+            <a:off x="6427002" y="4565119"/>
+            <a:ext cx="5394960" cy="1898709"/>
+          </a:xfrm>
+          <a:prstGeom prst="rect">
+            <a:avLst/>
+          </a:prstGeom>
+        </p:spPr>
+      </p:pic>
+      <p:pic>
+        <p:nvPicPr>
+          <p:cNvPr id="6" name="Рисунок 5" descr="Изображение выглядит как текст, снимок экрана, Шрифт, число&#10;&#10;Автоматически созданное описание">
+            <a:extLst>
+              <a:ext uri="{FF2B5EF4-FFF2-40B4-BE49-F238E27FC236}">
+                <a16:creationId xmlns:a16="http://schemas.microsoft.com/office/drawing/2014/main" id="{E4A9729B-D4EA-5279-FE71-74C4EAF3CA02}"/>
+              </a:ext>
+            </a:extLst>
+          </p:cNvPr>
+          <p:cNvPicPr>
+            <a:picLocks noChangeAspect="1"/>
+          </p:cNvPicPr>
+          <p:nvPr/>
+        </p:nvPicPr>
+        <p:blipFill>
+          <a:blip r:embed="rId4"/>
+          <a:stretch>
+            <a:fillRect/>
+          </a:stretch>
+        </p:blipFill>
+        <p:spPr>
+          <a:xfrm>
+            <a:off x="699436" y="1324189"/>
+            <a:ext cx="5390147" cy="3024110"/>
+          </a:xfrm>
+          <a:prstGeom prst="rect">
+            <a:avLst/>
+          </a:prstGeom>
+        </p:spPr>
+      </p:pic>
+      <p:pic>
+        <p:nvPicPr>
+          <p:cNvPr id="7" name="Рисунок 6" descr="Изображение выглядит как текст, снимок экрана, Шрифт, число&#10;&#10;Автоматически созданное описание">
+            <a:extLst>
+              <a:ext uri="{FF2B5EF4-FFF2-40B4-BE49-F238E27FC236}">
+                <a16:creationId xmlns:a16="http://schemas.microsoft.com/office/drawing/2014/main" id="{29DC8270-74FE-4861-EC60-673F96A3ADF4}"/>
+              </a:ext>
+            </a:extLst>
+          </p:cNvPr>
+          <p:cNvPicPr>
+            <a:picLocks noChangeAspect="1"/>
+          </p:cNvPicPr>
+          <p:nvPr/>
+        </p:nvPicPr>
+        <p:blipFill>
+          <a:blip r:embed="rId5"/>
+          <a:stretch>
+            <a:fillRect/>
+          </a:stretch>
+        </p:blipFill>
+        <p:spPr>
+          <a:xfrm>
+            <a:off x="6439301" y="1319950"/>
+            <a:ext cx="5390147" cy="3039540"/>
+          </a:xfrm>
+          <a:prstGeom prst="rect">
+            <a:avLst/>
+          </a:prstGeom>
+        </p:spPr>
+      </p:pic>
+    </p:spTree>
+    <p:extLst>
+      <p:ext uri="{BB962C8B-B14F-4D97-AF65-F5344CB8AC3E}">
+        <p14:creationId xmlns:p14="http://schemas.microsoft.com/office/powerpoint/2010/main" val="2482779299"/>
+      </p:ext>
+    </p:extLst>
+  </p:cSld>
+  <p:clrMapOvr>
+    <a:masterClrMapping/>
+  </p:clrMapOvr>
+  <p:transition spd="med">
+    <p:pull dir="u"/>
+  </p:transition>
+</p:sld>
+</file>
+
+<file path=ppt/slides/slide11.xml><?xml version="1.0" encoding="utf-8"?>
+<p:sld xmlns:a="http://schemas.openxmlformats.org/drawingml/2006/main" xmlns:r="http://schemas.openxmlformats.org/officeDocument/2006/relationships" xmlns:p="http://schemas.openxmlformats.org/presentationml/2006/main">
+  <p:cSld>
+    <p:spTree>
+      <p:nvGrpSpPr>
+        <p:cNvPr id="1" name=""/>
+        <p:cNvGrpSpPr/>
+        <p:nvPr/>
+      </p:nvGrpSpPr>
+      <p:grpSpPr>
+        <a:xfrm>
+          <a:off x="0" y="0"/>
+          <a:ext cx="0" cy="0"/>
+          <a:chOff x="0" y="0"/>
+          <a:chExt cx="0" cy="0"/>
+        </a:xfrm>
+      </p:grpSpPr>
+      <p:sp>
+        <p:nvSpPr>
+          <p:cNvPr id="2" name="Заголовок 1">
+            <a:extLst>
+              <a:ext uri="{FF2B5EF4-FFF2-40B4-BE49-F238E27FC236}">
                 <a16:creationId xmlns:a16="http://schemas.microsoft.com/office/drawing/2014/main" id="{531BCE74-F81B-D950-AE98-75019E17ABB0}"/>
               </a:ext>
             </a:extLst>
@@ -10436,7 +10630,7 @@
 </p:sld>
 </file>
 
-<file path=ppt/slides/slide11.xml><?xml version="1.0" encoding="utf-8"?>
+<file path=ppt/slides/slide12.xml><?xml version="1.0" encoding="utf-8"?>
 <p:sld xmlns:a="http://schemas.openxmlformats.org/drawingml/2006/main" xmlns:r="http://schemas.openxmlformats.org/officeDocument/2006/relationships" xmlns:p="http://schemas.openxmlformats.org/presentationml/2006/main">
   <p:cSld>
     <p:spTree>
@@ -10919,7 +11113,7 @@
 </p:sld>
 </file>
 
-<file path=ppt/slides/slide12.xml><?xml version="1.0" encoding="utf-8"?>
+<file path=ppt/slides/slide13.xml><?xml version="1.0" encoding="utf-8"?>
 <p:sld xmlns:a="http://schemas.openxmlformats.org/drawingml/2006/main" xmlns:r="http://schemas.openxmlformats.org/officeDocument/2006/relationships" xmlns:p="http://schemas.openxmlformats.org/presentationml/2006/main">
   <p:cSld>
     <p:spTree>
@@ -11096,7 +11290,7 @@
 </p:sld>
 </file>
 
-<file path=ppt/slides/slide13.xml><?xml version="1.0" encoding="utf-8"?>
+<file path=ppt/slides/slide14.xml><?xml version="1.0" encoding="utf-8"?>
 <p:sld xmlns:a="http://schemas.openxmlformats.org/drawingml/2006/main" xmlns:r="http://schemas.openxmlformats.org/officeDocument/2006/relationships" xmlns:p="http://schemas.openxmlformats.org/presentationml/2006/main">
   <p:cSld>
     <p:spTree>
@@ -11188,7 +11382,7 @@
 </p:sld>
 </file>
 
-<file path=ppt/slides/slide14.xml><?xml version="1.0" encoding="utf-8"?>
+<file path=ppt/slides/slide15.xml><?xml version="1.0" encoding="utf-8"?>
 <p:sld xmlns:a="http://schemas.openxmlformats.org/drawingml/2006/main" xmlns:r="http://schemas.openxmlformats.org/officeDocument/2006/relationships" xmlns:p="http://schemas.openxmlformats.org/presentationml/2006/main">
   <p:cSld>
     <p:spTree>
@@ -11365,7 +11559,7 @@
 </p:sld>
 </file>
 
-<file path=ppt/slides/slide15.xml><?xml version="1.0" encoding="utf-8"?>
+<file path=ppt/slides/slide16.xml><?xml version="1.0" encoding="utf-8"?>
 <p:sld xmlns:a="http://schemas.openxmlformats.org/drawingml/2006/main" xmlns:r="http://schemas.openxmlformats.org/officeDocument/2006/relationships" xmlns:p="http://schemas.openxmlformats.org/presentationml/2006/main">
   <p:cSld>
     <p:spTree>
@@ -11457,7 +11651,7 @@
 </p:sld>
 </file>
 
-<file path=ppt/slides/slide16.xml><?xml version="1.0" encoding="utf-8"?>
+<file path=ppt/slides/slide17.xml><?xml version="1.0" encoding="utf-8"?>
 <p:sld xmlns:a="http://schemas.openxmlformats.org/drawingml/2006/main" xmlns:r="http://schemas.openxmlformats.org/officeDocument/2006/relationships" xmlns:p="http://schemas.openxmlformats.org/presentationml/2006/main">
   <p:cSld>
     <p:spTree>
